--- a/doc/Grafiken/_Grafiken.pptx
+++ b/doc/Grafiken/_Grafiken.pptx
@@ -10,6 +10,7 @@
     <p:sldId id="258" r:id="rId4"/>
     <p:sldId id="259" r:id="rId5"/>
     <p:sldId id="260" r:id="rId6"/>
+    <p:sldId id="261" r:id="rId7"/>
   </p:sldIdLst>
   <p:sldSz cx="9144000" cy="6858000" type="screen4x3"/>
   <p:notesSz cx="6858000" cy="9144000"/>
@@ -292,7 +293,7 @@
           <a:p>
             <a:fld id="{7F49D355-16BD-4E45-BD9A-5EA878CF7CBD}" type="datetimeFigureOut">
               <a:rPr lang="it-IT" smtClean="0"/>
-              <a:t>12/05/2011</a:t>
+              <a:t>15/05/2011</a:t>
             </a:fld>
             <a:endParaRPr lang="it-IT"/>
           </a:p>
@@ -457,7 +458,7 @@
           <a:p>
             <a:fld id="{7F49D355-16BD-4E45-BD9A-5EA878CF7CBD}" type="datetimeFigureOut">
               <a:rPr lang="it-IT" smtClean="0"/>
-              <a:t>12/05/2011</a:t>
+              <a:t>15/05/2011</a:t>
             </a:fld>
             <a:endParaRPr lang="it-IT"/>
           </a:p>
@@ -632,7 +633,7 @@
           <a:p>
             <a:fld id="{7F49D355-16BD-4E45-BD9A-5EA878CF7CBD}" type="datetimeFigureOut">
               <a:rPr lang="it-IT" smtClean="0"/>
-              <a:t>12/05/2011</a:t>
+              <a:t>15/05/2011</a:t>
             </a:fld>
             <a:endParaRPr lang="it-IT"/>
           </a:p>
@@ -797,7 +798,7 @@
           <a:p>
             <a:fld id="{7F49D355-16BD-4E45-BD9A-5EA878CF7CBD}" type="datetimeFigureOut">
               <a:rPr lang="it-IT" smtClean="0"/>
-              <a:t>12/05/2011</a:t>
+              <a:t>15/05/2011</a:t>
             </a:fld>
             <a:endParaRPr lang="it-IT"/>
           </a:p>
@@ -1038,7 +1039,7 @@
           <a:p>
             <a:fld id="{7F49D355-16BD-4E45-BD9A-5EA878CF7CBD}" type="datetimeFigureOut">
               <a:rPr lang="it-IT" smtClean="0"/>
-              <a:t>12/05/2011</a:t>
+              <a:t>15/05/2011</a:t>
             </a:fld>
             <a:endParaRPr lang="it-IT"/>
           </a:p>
@@ -1321,7 +1322,7 @@
           <a:p>
             <a:fld id="{7F49D355-16BD-4E45-BD9A-5EA878CF7CBD}" type="datetimeFigureOut">
               <a:rPr lang="it-IT" smtClean="0"/>
-              <a:t>12/05/2011</a:t>
+              <a:t>15/05/2011</a:t>
             </a:fld>
             <a:endParaRPr lang="it-IT"/>
           </a:p>
@@ -1738,7 +1739,7 @@
           <a:p>
             <a:fld id="{7F49D355-16BD-4E45-BD9A-5EA878CF7CBD}" type="datetimeFigureOut">
               <a:rPr lang="it-IT" smtClean="0"/>
-              <a:t>12/05/2011</a:t>
+              <a:t>15/05/2011</a:t>
             </a:fld>
             <a:endParaRPr lang="it-IT"/>
           </a:p>
@@ -1851,7 +1852,7 @@
           <a:p>
             <a:fld id="{7F49D355-16BD-4E45-BD9A-5EA878CF7CBD}" type="datetimeFigureOut">
               <a:rPr lang="it-IT" smtClean="0"/>
-              <a:t>12/05/2011</a:t>
+              <a:t>15/05/2011</a:t>
             </a:fld>
             <a:endParaRPr lang="it-IT"/>
           </a:p>
@@ -1941,7 +1942,7 @@
           <a:p>
             <a:fld id="{7F49D355-16BD-4E45-BD9A-5EA878CF7CBD}" type="datetimeFigureOut">
               <a:rPr lang="it-IT" smtClean="0"/>
-              <a:t>12/05/2011</a:t>
+              <a:t>15/05/2011</a:t>
             </a:fld>
             <a:endParaRPr lang="it-IT"/>
           </a:p>
@@ -2213,7 +2214,7 @@
           <a:p>
             <a:fld id="{7F49D355-16BD-4E45-BD9A-5EA878CF7CBD}" type="datetimeFigureOut">
               <a:rPr lang="it-IT" smtClean="0"/>
-              <a:t>12/05/2011</a:t>
+              <a:t>15/05/2011</a:t>
             </a:fld>
             <a:endParaRPr lang="it-IT"/>
           </a:p>
@@ -2461,7 +2462,7 @@
           <a:p>
             <a:fld id="{7F49D355-16BD-4E45-BD9A-5EA878CF7CBD}" type="datetimeFigureOut">
               <a:rPr lang="it-IT" smtClean="0"/>
-              <a:t>12/05/2011</a:t>
+              <a:t>15/05/2011</a:t>
             </a:fld>
             <a:endParaRPr lang="it-IT"/>
           </a:p>
@@ -2669,7 +2670,7 @@
           <a:p>
             <a:fld id="{7F49D355-16BD-4E45-BD9A-5EA878CF7CBD}" type="datetimeFigureOut">
               <a:rPr lang="it-IT" smtClean="0"/>
-              <a:t>12/05/2011</a:t>
+              <a:t>15/05/2011</a:t>
             </a:fld>
             <a:endParaRPr lang="it-IT"/>
           </a:p>
@@ -5097,11 +5098,6 @@
               </a:rPr>
               <a:t>AG</a:t>
             </a:r>
-            <a:endParaRPr lang="de-DE" b="1" dirty="0">
-              <a:solidFill>
-                <a:prstClr val="black"/>
-              </a:solidFill>
-            </a:endParaRPr>
           </a:p>
         </p:txBody>
       </p:sp>
@@ -5455,6 +5451,291 @@
     <p:extLst>
       <p:ext uri="{BB962C8B-B14F-4D97-AF65-F5344CB8AC3E}">
         <p14:creationId xmlns:p14="http://schemas.microsoft.com/office/powerpoint/2010/main" val="3305058230"/>
+      </p:ext>
+    </p:extLst>
+  </p:cSld>
+  <p:clrMapOvr>
+    <a:masterClrMapping/>
+  </p:clrMapOvr>
+</p:sld>
+</file>
+
+<file path=ppt/slides/slide6.xml><?xml version="1.0" encoding="utf-8"?>
+<p:sld xmlns:a="http://schemas.openxmlformats.org/drawingml/2006/main" xmlns:r="http://schemas.openxmlformats.org/officeDocument/2006/relationships" xmlns:p="http://schemas.openxmlformats.org/presentationml/2006/main">
+  <p:cSld>
+    <p:spTree>
+      <p:nvGrpSpPr>
+        <p:cNvPr id="1" name=""/>
+        <p:cNvGrpSpPr/>
+        <p:nvPr/>
+      </p:nvGrpSpPr>
+      <p:grpSpPr>
+        <a:xfrm>
+          <a:off x="0" y="0"/>
+          <a:ext cx="0" cy="0"/>
+          <a:chOff x="0" y="0"/>
+          <a:chExt cx="0" cy="0"/>
+        </a:xfrm>
+      </p:grpSpPr>
+      <p:sp>
+        <p:nvSpPr>
+          <p:cNvPr id="2" name="Title 1"/>
+          <p:cNvSpPr>
+            <a:spLocks noGrp="1"/>
+          </p:cNvSpPr>
+          <p:nvPr>
+            <p:ph type="title"/>
+          </p:nvPr>
+        </p:nvSpPr>
+        <p:spPr/>
+        <p:txBody>
+          <a:bodyPr/>
+          <a:lstStyle/>
+          <a:p>
+            <a:r>
+              <a:rPr lang="de-DE" b="1" dirty="0" smtClean="0"/>
+              <a:t>The „3-As“ – </a:t>
+            </a:r>
+            <a:r>
+              <a:rPr lang="de-DE" b="1" dirty="0" err="1" smtClean="0"/>
+              <a:t>Arrange</a:t>
+            </a:r>
+            <a:r>
+              <a:rPr lang="de-DE" b="1" dirty="0" smtClean="0"/>
+              <a:t>, </a:t>
+            </a:r>
+            <a:r>
+              <a:rPr lang="de-DE" b="1" dirty="0" err="1" smtClean="0"/>
+              <a:t>Act</a:t>
+            </a:r>
+            <a:r>
+              <a:rPr lang="de-DE" b="1" dirty="0" smtClean="0"/>
+              <a:t>, </a:t>
+            </a:r>
+            <a:r>
+              <a:rPr lang="de-DE" b="1" dirty="0" err="1" smtClean="0"/>
+              <a:t>Assert</a:t>
+            </a:r>
+            <a:endParaRPr lang="de-DE" b="1" dirty="0"/>
+          </a:p>
+        </p:txBody>
+      </p:sp>
+      <p:sp>
+        <p:nvSpPr>
+          <p:cNvPr id="4" name="Rounded Rectangle 3"/>
+          <p:cNvSpPr/>
+          <p:nvPr/>
+        </p:nvSpPr>
+        <p:spPr>
+          <a:xfrm>
+            <a:off x="827584" y="1722512"/>
+            <a:ext cx="2376264" cy="914400"/>
+          </a:xfrm>
+          <a:prstGeom prst="roundRect">
+            <a:avLst/>
+          </a:prstGeom>
+        </p:spPr>
+        <p:style>
+          <a:lnRef idx="2">
+            <a:schemeClr val="accent1">
+              <a:shade val="50000"/>
+            </a:schemeClr>
+          </a:lnRef>
+          <a:fillRef idx="1">
+            <a:schemeClr val="accent1"/>
+          </a:fillRef>
+          <a:effectRef idx="0">
+            <a:schemeClr val="accent1"/>
+          </a:effectRef>
+          <a:fontRef idx="minor">
+            <a:schemeClr val="lt1"/>
+          </a:fontRef>
+        </p:style>
+        <p:txBody>
+          <a:bodyPr rtlCol="0" anchor="ctr"/>
+          <a:lstStyle/>
+          <a:p>
+            <a:pPr algn="ctr"/>
+            <a:r>
+              <a:rPr lang="de-DE" dirty="0" err="1" smtClean="0"/>
+              <a:t>Arrange</a:t>
+            </a:r>
+            <a:endParaRPr lang="de-DE" dirty="0"/>
+          </a:p>
+        </p:txBody>
+      </p:sp>
+      <p:sp>
+        <p:nvSpPr>
+          <p:cNvPr id="5" name="Rounded Rectangle 4"/>
+          <p:cNvSpPr/>
+          <p:nvPr/>
+        </p:nvSpPr>
+        <p:spPr>
+          <a:xfrm>
+            <a:off x="827584" y="2955207"/>
+            <a:ext cx="2376264" cy="914400"/>
+          </a:xfrm>
+          <a:prstGeom prst="roundRect">
+            <a:avLst/>
+          </a:prstGeom>
+        </p:spPr>
+        <p:style>
+          <a:lnRef idx="2">
+            <a:schemeClr val="accent1">
+              <a:shade val="50000"/>
+            </a:schemeClr>
+          </a:lnRef>
+          <a:fillRef idx="1">
+            <a:schemeClr val="accent1"/>
+          </a:fillRef>
+          <a:effectRef idx="0">
+            <a:schemeClr val="accent1"/>
+          </a:effectRef>
+          <a:fontRef idx="minor">
+            <a:schemeClr val="lt1"/>
+          </a:fontRef>
+        </p:style>
+        <p:txBody>
+          <a:bodyPr rtlCol="0" anchor="ctr"/>
+          <a:lstStyle/>
+          <a:p>
+            <a:pPr algn="ctr"/>
+            <a:r>
+              <a:rPr lang="de-DE" dirty="0" err="1" smtClean="0"/>
+              <a:t>Act</a:t>
+            </a:r>
+            <a:endParaRPr lang="de-DE" dirty="0"/>
+          </a:p>
+        </p:txBody>
+      </p:sp>
+      <p:sp>
+        <p:nvSpPr>
+          <p:cNvPr id="6" name="Rounded Rectangle 5"/>
+          <p:cNvSpPr/>
+          <p:nvPr/>
+        </p:nvSpPr>
+        <p:spPr>
+          <a:xfrm>
+            <a:off x="827584" y="4242792"/>
+            <a:ext cx="2376264" cy="914400"/>
+          </a:xfrm>
+          <a:prstGeom prst="roundRect">
+            <a:avLst/>
+          </a:prstGeom>
+        </p:spPr>
+        <p:style>
+          <a:lnRef idx="2">
+            <a:schemeClr val="accent1">
+              <a:shade val="50000"/>
+            </a:schemeClr>
+          </a:lnRef>
+          <a:fillRef idx="1">
+            <a:schemeClr val="accent1"/>
+          </a:fillRef>
+          <a:effectRef idx="0">
+            <a:schemeClr val="accent1"/>
+          </a:effectRef>
+          <a:fontRef idx="minor">
+            <a:schemeClr val="lt1"/>
+          </a:fontRef>
+        </p:style>
+        <p:txBody>
+          <a:bodyPr rtlCol="0" anchor="ctr"/>
+          <a:lstStyle/>
+          <a:p>
+            <a:pPr algn="ctr"/>
+            <a:r>
+              <a:rPr lang="de-DE" dirty="0" err="1" smtClean="0"/>
+              <a:t>Assert</a:t>
+            </a:r>
+            <a:endParaRPr lang="de-DE" dirty="0" smtClean="0"/>
+          </a:p>
+        </p:txBody>
+      </p:sp>
+      <p:sp>
+        <p:nvSpPr>
+          <p:cNvPr id="7" name="Down Arrow 6"/>
+          <p:cNvSpPr/>
+          <p:nvPr/>
+        </p:nvSpPr>
+        <p:spPr>
+          <a:xfrm>
+            <a:off x="1835696" y="2412559"/>
+            <a:ext cx="360040" cy="688079"/>
+          </a:xfrm>
+          <a:prstGeom prst="downArrow">
+            <a:avLst/>
+          </a:prstGeom>
+        </p:spPr>
+        <p:style>
+          <a:lnRef idx="2">
+            <a:schemeClr val="accent6">
+              <a:shade val="50000"/>
+            </a:schemeClr>
+          </a:lnRef>
+          <a:fillRef idx="1">
+            <a:schemeClr val="accent6"/>
+          </a:fillRef>
+          <a:effectRef idx="0">
+            <a:schemeClr val="accent6"/>
+          </a:effectRef>
+          <a:fontRef idx="minor">
+            <a:schemeClr val="lt1"/>
+          </a:fontRef>
+        </p:style>
+        <p:txBody>
+          <a:bodyPr rtlCol="0" anchor="ctr"/>
+          <a:lstStyle/>
+          <a:p>
+            <a:pPr algn="ctr"/>
+            <a:endParaRPr lang="de-DE"/>
+          </a:p>
+        </p:txBody>
+      </p:sp>
+      <p:sp>
+        <p:nvSpPr>
+          <p:cNvPr id="8" name="Down Arrow 7"/>
+          <p:cNvSpPr/>
+          <p:nvPr/>
+        </p:nvSpPr>
+        <p:spPr>
+          <a:xfrm>
+            <a:off x="1844710" y="3683321"/>
+            <a:ext cx="360040" cy="688079"/>
+          </a:xfrm>
+          <a:prstGeom prst="downArrow">
+            <a:avLst/>
+          </a:prstGeom>
+        </p:spPr>
+        <p:style>
+          <a:lnRef idx="2">
+            <a:schemeClr val="accent6">
+              <a:shade val="50000"/>
+            </a:schemeClr>
+          </a:lnRef>
+          <a:fillRef idx="1">
+            <a:schemeClr val="accent6"/>
+          </a:fillRef>
+          <a:effectRef idx="0">
+            <a:schemeClr val="accent6"/>
+          </a:effectRef>
+          <a:fontRef idx="minor">
+            <a:schemeClr val="lt1"/>
+          </a:fontRef>
+        </p:style>
+        <p:txBody>
+          <a:bodyPr rtlCol="0" anchor="ctr"/>
+          <a:lstStyle/>
+          <a:p>
+            <a:pPr algn="ctr"/>
+            <a:endParaRPr lang="de-DE"/>
+          </a:p>
+        </p:txBody>
+      </p:sp>
+    </p:spTree>
+    <p:extLst>
+      <p:ext uri="{BB962C8B-B14F-4D97-AF65-F5344CB8AC3E}">
+        <p14:creationId xmlns:p14="http://schemas.microsoft.com/office/powerpoint/2010/main" val="1123581140"/>
       </p:ext>
     </p:extLst>
   </p:cSld>
